--- a/exercises/WEEK1/BA-DL4NLP-Exercise-W1.pptx
+++ b/exercises/WEEK1/BA-DL4NLP-Exercise-W1.pptx
@@ -4630,7 +4630,11 @@
             </a:r>
             <a:r>
               <a:rPr lang="en-NL" b="1" dirty="0"/>
-              <a:t>See table to the right.</a:t>
+              <a:t>See table on Brightspace. </a:t>
+            </a:r>
+            <a:r>
+              <a:rPr lang="en-NL" dirty="0"/>
+              <a:t>Use Zoom break-out-room. Rejoin to plenary session after one hour (includes a 15 minutes break).</a:t>
             </a:r>
           </a:p>
           <a:p>
@@ -4714,7 +4718,7 @@
             </a:pPr>
             <a:r>
               <a:rPr lang="en-NL" dirty="0"/>
-              <a:t>Upload data to your notebook</a:t>
+              <a:t>Upload data to your notebook and start working on the exercise.</a:t>
             </a:r>
           </a:p>
           <a:p>
@@ -4731,7 +4735,7 @@
             </a:pPr>
             <a:r>
               <a:rPr lang="en-NL" dirty="0"/>
-              <a:t>Start working on the exercise.</a:t>
+              <a:t>Questions (state your name, teacher connects to break-out room):</a:t>
             </a:r>
           </a:p>
           <a:p>
@@ -4772,8 +4776,8 @@
         </p:blipFill>
         <p:spPr bwMode="auto">
           <a:xfrm>
-            <a:off x="8269977" y="295896"/>
-            <a:ext cx="1967254" cy="1450758"/>
+            <a:off x="7814436" y="3040566"/>
+            <a:ext cx="3280284" cy="2419056"/>
           </a:xfrm>
           <a:prstGeom prst="rect">
             <a:avLst/>
@@ -4788,6 +4792,35 @@
               </a14:hiddenFill>
             </a:ext>
           </a:extLst>
+        </p:spPr>
+      </p:pic>
+      <p:pic>
+        <p:nvPicPr>
+          <p:cNvPr id="6" name="Picture 5">
+            <a:extLst>
+              <a:ext uri="{FF2B5EF4-FFF2-40B4-BE49-F238E27FC236}">
+                <a16:creationId xmlns:a16="http://schemas.microsoft.com/office/drawing/2014/main" id="{B5B82A8A-4CA4-9443-A844-86F4C459B322}"/>
+              </a:ext>
+            </a:extLst>
+          </p:cNvPr>
+          <p:cNvPicPr>
+            <a:picLocks noChangeAspect="1"/>
+          </p:cNvPicPr>
+          <p:nvPr/>
+        </p:nvPicPr>
+        <p:blipFill rotWithShape="1">
+          <a:blip r:embed="rId3"/>
+          <a:srcRect l="13618" t="-1540" r="19115" b="-3316"/>
+          <a:stretch/>
+        </p:blipFill>
+        <p:spPr>
+          <a:xfrm>
+            <a:off x="1469471" y="5922016"/>
+            <a:ext cx="3542341" cy="299677"/>
+          </a:xfrm>
+          <a:prstGeom prst="rect">
+            <a:avLst/>
+          </a:prstGeom>
         </p:spPr>
       </p:pic>
     </p:spTree>
